--- a/Final Project/FinalPresentation.pptx
+++ b/Final Project/FinalPresentation.pptx
@@ -6,6 +6,13 @@
   </p:sldMasterIdLst>
   <p:sldIdLst>
     <p:sldId id="256" r:id="rId2"/>
+    <p:sldId id="261" r:id="rId3"/>
+    <p:sldId id="258" r:id="rId4"/>
+    <p:sldId id="259" r:id="rId5"/>
+    <p:sldId id="264" r:id="rId6"/>
+    <p:sldId id="265" r:id="rId7"/>
+    <p:sldId id="266" r:id="rId8"/>
+    <p:sldId id="267" r:id="rId9"/>
   </p:sldIdLst>
   <p:sldSz cx="12192000" cy="6858000"/>
   <p:notesSz cx="6858000" cy="9144000"/>
@@ -104,6 +111,11 @@
       </a:defRPr>
     </a:lvl9pPr>
   </p:defaultTextStyle>
+  <p:extLst>
+    <p:ext uri="{EFAFB233-063F-42B5-8137-9DF3F51BA10A}">
+      <p15:sldGuideLst xmlns:p15="http://schemas.microsoft.com/office/powerpoint/2012/main"/>
+    </p:ext>
+  </p:extLst>
 </p:presentation>
 </file>
 
@@ -3396,6 +3408,1199 @@
     <p:extLst>
       <p:ext uri="{BB962C8B-B14F-4D97-AF65-F5344CB8AC3E}">
         <p14:creationId xmlns:p14="http://schemas.microsoft.com/office/powerpoint/2010/main" val="1714370779"/>
+      </p:ext>
+    </p:extLst>
+  </p:cSld>
+  <p:clrMapOvr>
+    <a:masterClrMapping/>
+  </p:clrMapOvr>
+</p:sld>
+</file>
+
+<file path=ppt/slides/slide2.xml><?xml version="1.0" encoding="utf-8"?>
+<p:sld xmlns:a="http://schemas.openxmlformats.org/drawingml/2006/main" xmlns:r="http://schemas.openxmlformats.org/officeDocument/2006/relationships" xmlns:p="http://schemas.openxmlformats.org/presentationml/2006/main">
+  <p:cSld>
+    <p:spTree>
+      <p:nvGrpSpPr>
+        <p:cNvPr id="1" name=""/>
+        <p:cNvGrpSpPr/>
+        <p:nvPr/>
+      </p:nvGrpSpPr>
+      <p:grpSpPr>
+        <a:xfrm>
+          <a:off x="0" y="0"/>
+          <a:ext cx="0" cy="0"/>
+          <a:chOff x="0" y="0"/>
+          <a:chExt cx="0" cy="0"/>
+        </a:xfrm>
+      </p:grpSpPr>
+      <p:sp>
+        <p:nvSpPr>
+          <p:cNvPr id="2" name="Titel 1">
+            <a:extLst>
+              <a:ext uri="{FF2B5EF4-FFF2-40B4-BE49-F238E27FC236}">
+                <a16:creationId xmlns:a16="http://schemas.microsoft.com/office/drawing/2014/main" id="{E46ECC3D-DF20-CAB4-C582-6B92BDF13DC2}"/>
+              </a:ext>
+            </a:extLst>
+          </p:cNvPr>
+          <p:cNvSpPr>
+            <a:spLocks noGrp="1"/>
+          </p:cNvSpPr>
+          <p:nvPr>
+            <p:ph type="title"/>
+          </p:nvPr>
+        </p:nvSpPr>
+        <p:spPr/>
+        <p:txBody>
+          <a:bodyPr/>
+          <a:lstStyle/>
+          <a:p>
+            <a:r>
+              <a:rPr lang="en-US" dirty="0"/>
+              <a:t>Static models</a:t>
+            </a:r>
+          </a:p>
+        </p:txBody>
+      </p:sp>
+      <p:sp>
+        <p:nvSpPr>
+          <p:cNvPr id="3" name="Pladsholder til tekst 2">
+            <a:extLst>
+              <a:ext uri="{FF2B5EF4-FFF2-40B4-BE49-F238E27FC236}">
+                <a16:creationId xmlns:a16="http://schemas.microsoft.com/office/drawing/2014/main" id="{E8D1ED2A-812E-F000-BF2A-D453570CC225}"/>
+              </a:ext>
+            </a:extLst>
+          </p:cNvPr>
+          <p:cNvSpPr>
+            <a:spLocks noGrp="1"/>
+          </p:cNvSpPr>
+          <p:nvPr>
+            <p:ph type="body" idx="1"/>
+          </p:nvPr>
+        </p:nvSpPr>
+        <p:spPr/>
+        <p:txBody>
+          <a:bodyPr/>
+          <a:lstStyle/>
+          <a:p>
+            <a:r>
+              <a:rPr lang="en-US" dirty="0"/>
+              <a:t>Power vs. Pump 4</a:t>
+            </a:r>
+          </a:p>
+        </p:txBody>
+      </p:sp>
+      <p:pic>
+        <p:nvPicPr>
+          <p:cNvPr id="8" name="Pladsholder til indhold 7">
+            <a:extLst>
+              <a:ext uri="{FF2B5EF4-FFF2-40B4-BE49-F238E27FC236}">
+                <a16:creationId xmlns:a16="http://schemas.microsoft.com/office/drawing/2014/main" id="{4F9DE776-673E-FB99-FFDD-C13B905C01C7}"/>
+              </a:ext>
+            </a:extLst>
+          </p:cNvPr>
+          <p:cNvPicPr>
+            <a:picLocks noGrp="1" noChangeAspect="1"/>
+          </p:cNvPicPr>
+          <p:nvPr>
+            <p:ph sz="half" idx="2"/>
+          </p:nvPr>
+        </p:nvPicPr>
+        <p:blipFill>
+          <a:blip r:embed="rId2"/>
+          <a:stretch>
+            <a:fillRect/>
+          </a:stretch>
+        </p:blipFill>
+        <p:spPr>
+          <a:xfrm>
+            <a:off x="945231" y="2505075"/>
+            <a:ext cx="4946900" cy="3684588"/>
+          </a:xfrm>
+        </p:spPr>
+      </p:pic>
+      <p:sp>
+        <p:nvSpPr>
+          <p:cNvPr id="5" name="Pladsholder til tekst 4">
+            <a:extLst>
+              <a:ext uri="{FF2B5EF4-FFF2-40B4-BE49-F238E27FC236}">
+                <a16:creationId xmlns:a16="http://schemas.microsoft.com/office/drawing/2014/main" id="{E1B11147-6B47-363D-47F5-BA3367AE584C}"/>
+              </a:ext>
+            </a:extLst>
+          </p:cNvPr>
+          <p:cNvSpPr>
+            <a:spLocks noGrp="1"/>
+          </p:cNvSpPr>
+          <p:nvPr>
+            <p:ph type="body" sz="quarter" idx="3"/>
+          </p:nvPr>
+        </p:nvSpPr>
+        <p:spPr/>
+        <p:txBody>
+          <a:bodyPr/>
+          <a:lstStyle/>
+          <a:p>
+            <a:r>
+              <a:rPr lang="en-US" dirty="0"/>
+              <a:t>Power vs. Pump 1</a:t>
+            </a:r>
+          </a:p>
+        </p:txBody>
+      </p:sp>
+      <p:pic>
+        <p:nvPicPr>
+          <p:cNvPr id="10" name="Pladsholder til indhold 9">
+            <a:extLst>
+              <a:ext uri="{FF2B5EF4-FFF2-40B4-BE49-F238E27FC236}">
+                <a16:creationId xmlns:a16="http://schemas.microsoft.com/office/drawing/2014/main" id="{9EB13E35-EEF0-F6D7-9A84-A4E41587A5F1}"/>
+              </a:ext>
+            </a:extLst>
+          </p:cNvPr>
+          <p:cNvPicPr>
+            <a:picLocks noGrp="1" noChangeAspect="1"/>
+          </p:cNvPicPr>
+          <p:nvPr>
+            <p:ph sz="quarter" idx="4"/>
+          </p:nvPr>
+        </p:nvPicPr>
+        <p:blipFill>
+          <a:blip r:embed="rId3"/>
+          <a:stretch>
+            <a:fillRect/>
+          </a:stretch>
+        </p:blipFill>
+        <p:spPr>
+          <a:xfrm>
+            <a:off x="6367106" y="2505075"/>
+            <a:ext cx="4793376" cy="3684588"/>
+          </a:xfrm>
+        </p:spPr>
+      </p:pic>
+    </p:spTree>
+    <p:extLst>
+      <p:ext uri="{BB962C8B-B14F-4D97-AF65-F5344CB8AC3E}">
+        <p14:creationId xmlns:p14="http://schemas.microsoft.com/office/powerpoint/2010/main" val="3640271721"/>
+      </p:ext>
+    </p:extLst>
+  </p:cSld>
+  <p:clrMapOvr>
+    <a:masterClrMapping/>
+  </p:clrMapOvr>
+</p:sld>
+</file>
+
+<file path=ppt/slides/slide3.xml><?xml version="1.0" encoding="utf-8"?>
+<p:sld xmlns:a="http://schemas.openxmlformats.org/drawingml/2006/main" xmlns:r="http://schemas.openxmlformats.org/officeDocument/2006/relationships" xmlns:p="http://schemas.openxmlformats.org/presentationml/2006/main">
+  <p:cSld>
+    <p:spTree>
+      <p:nvGrpSpPr>
+        <p:cNvPr id="1" name=""/>
+        <p:cNvGrpSpPr/>
+        <p:nvPr/>
+      </p:nvGrpSpPr>
+      <p:grpSpPr>
+        <a:xfrm>
+          <a:off x="0" y="0"/>
+          <a:ext cx="0" cy="0"/>
+          <a:chOff x="0" y="0"/>
+          <a:chExt cx="0" cy="0"/>
+        </a:xfrm>
+      </p:grpSpPr>
+      <p:sp>
+        <p:nvSpPr>
+          <p:cNvPr id="2" name="Titel 1">
+            <a:extLst>
+              <a:ext uri="{FF2B5EF4-FFF2-40B4-BE49-F238E27FC236}">
+                <a16:creationId xmlns:a16="http://schemas.microsoft.com/office/drawing/2014/main" id="{E46ECC3D-DF20-CAB4-C582-6B92BDF13DC2}"/>
+              </a:ext>
+            </a:extLst>
+          </p:cNvPr>
+          <p:cNvSpPr>
+            <a:spLocks noGrp="1"/>
+          </p:cNvSpPr>
+          <p:nvPr>
+            <p:ph type="title"/>
+          </p:nvPr>
+        </p:nvSpPr>
+        <p:spPr/>
+        <p:txBody>
+          <a:bodyPr/>
+          <a:lstStyle/>
+          <a:p>
+            <a:r>
+              <a:rPr lang="en-US" dirty="0"/>
+              <a:t>Static model</a:t>
+            </a:r>
+          </a:p>
+        </p:txBody>
+      </p:sp>
+      <p:sp>
+        <p:nvSpPr>
+          <p:cNvPr id="3" name="Pladsholder til tekst 2">
+            <a:extLst>
+              <a:ext uri="{FF2B5EF4-FFF2-40B4-BE49-F238E27FC236}">
+                <a16:creationId xmlns:a16="http://schemas.microsoft.com/office/drawing/2014/main" id="{E8D1ED2A-812E-F000-BF2A-D453570CC225}"/>
+              </a:ext>
+            </a:extLst>
+          </p:cNvPr>
+          <p:cNvSpPr>
+            <a:spLocks noGrp="1"/>
+          </p:cNvSpPr>
+          <p:nvPr>
+            <p:ph type="body" idx="1"/>
+          </p:nvPr>
+        </p:nvSpPr>
+        <p:spPr/>
+        <p:txBody>
+          <a:bodyPr/>
+          <a:lstStyle/>
+          <a:p>
+            <a:endParaRPr lang="en-US"/>
+          </a:p>
+        </p:txBody>
+      </p:sp>
+      <p:pic>
+        <p:nvPicPr>
+          <p:cNvPr id="8" name="Pladsholder til indhold 7">
+            <a:extLst>
+              <a:ext uri="{FF2B5EF4-FFF2-40B4-BE49-F238E27FC236}">
+                <a16:creationId xmlns:a16="http://schemas.microsoft.com/office/drawing/2014/main" id="{3FC37BA0-94F0-4844-AC19-F6634E8818B7}"/>
+              </a:ext>
+            </a:extLst>
+          </p:cNvPr>
+          <p:cNvPicPr>
+            <a:picLocks noGrp="1" noChangeAspect="1"/>
+          </p:cNvPicPr>
+          <p:nvPr>
+            <p:ph sz="half" idx="2"/>
+          </p:nvPr>
+        </p:nvPicPr>
+        <p:blipFill>
+          <a:blip r:embed="rId2"/>
+          <a:stretch>
+            <a:fillRect/>
+          </a:stretch>
+        </p:blipFill>
+        <p:spPr>
+          <a:xfrm>
+            <a:off x="935590" y="2505075"/>
+            <a:ext cx="4966183" cy="3684588"/>
+          </a:xfrm>
+        </p:spPr>
+      </p:pic>
+      <p:sp>
+        <p:nvSpPr>
+          <p:cNvPr id="5" name="Pladsholder til tekst 4">
+            <a:extLst>
+              <a:ext uri="{FF2B5EF4-FFF2-40B4-BE49-F238E27FC236}">
+                <a16:creationId xmlns:a16="http://schemas.microsoft.com/office/drawing/2014/main" id="{E1B11147-6B47-363D-47F5-BA3367AE584C}"/>
+              </a:ext>
+            </a:extLst>
+          </p:cNvPr>
+          <p:cNvSpPr>
+            <a:spLocks noGrp="1"/>
+          </p:cNvSpPr>
+          <p:nvPr>
+            <p:ph type="body" sz="quarter" idx="3"/>
+          </p:nvPr>
+        </p:nvSpPr>
+        <p:spPr/>
+        <p:txBody>
+          <a:bodyPr/>
+          <a:lstStyle/>
+          <a:p>
+            <a:endParaRPr lang="en-US"/>
+          </a:p>
+        </p:txBody>
+      </p:sp>
+      <p:pic>
+        <p:nvPicPr>
+          <p:cNvPr id="15" name="Pladsholder til indhold 14">
+            <a:extLst>
+              <a:ext uri="{FF2B5EF4-FFF2-40B4-BE49-F238E27FC236}">
+                <a16:creationId xmlns:a16="http://schemas.microsoft.com/office/drawing/2014/main" id="{6B998A9E-1AA9-F0FA-CB5C-BF1E48FFEC9A}"/>
+              </a:ext>
+            </a:extLst>
+          </p:cNvPr>
+          <p:cNvPicPr>
+            <a:picLocks noGrp="1" noChangeAspect="1"/>
+          </p:cNvPicPr>
+          <p:nvPr>
+            <p:ph sz="quarter" idx="4"/>
+          </p:nvPr>
+        </p:nvPicPr>
+        <p:blipFill>
+          <a:blip r:embed="rId3"/>
+          <a:stretch>
+            <a:fillRect/>
+          </a:stretch>
+        </p:blipFill>
+        <p:spPr>
+          <a:xfrm>
+            <a:off x="6217846" y="2505075"/>
+            <a:ext cx="5091895" cy="3684588"/>
+          </a:xfrm>
+          <a:prstGeom prst="rect">
+            <a:avLst/>
+          </a:prstGeom>
+        </p:spPr>
+      </p:pic>
+    </p:spTree>
+    <p:extLst>
+      <p:ext uri="{BB962C8B-B14F-4D97-AF65-F5344CB8AC3E}">
+        <p14:creationId xmlns:p14="http://schemas.microsoft.com/office/powerpoint/2010/main" val="2685638636"/>
+      </p:ext>
+    </p:extLst>
+  </p:cSld>
+  <p:clrMapOvr>
+    <a:masterClrMapping/>
+  </p:clrMapOvr>
+</p:sld>
+</file>
+
+<file path=ppt/slides/slide4.xml><?xml version="1.0" encoding="utf-8"?>
+<p:sld xmlns:a="http://schemas.openxmlformats.org/drawingml/2006/main" xmlns:r="http://schemas.openxmlformats.org/officeDocument/2006/relationships" xmlns:p="http://schemas.openxmlformats.org/presentationml/2006/main">
+  <p:cSld>
+    <p:spTree>
+      <p:nvGrpSpPr>
+        <p:cNvPr id="1" name=""/>
+        <p:cNvGrpSpPr/>
+        <p:nvPr/>
+      </p:nvGrpSpPr>
+      <p:grpSpPr>
+        <a:xfrm>
+          <a:off x="0" y="0"/>
+          <a:ext cx="0" cy="0"/>
+          <a:chOff x="0" y="0"/>
+          <a:chExt cx="0" cy="0"/>
+        </a:xfrm>
+      </p:grpSpPr>
+      <p:sp>
+        <p:nvSpPr>
+          <p:cNvPr id="2" name="Titel 1">
+            <a:extLst>
+              <a:ext uri="{FF2B5EF4-FFF2-40B4-BE49-F238E27FC236}">
+                <a16:creationId xmlns:a16="http://schemas.microsoft.com/office/drawing/2014/main" id="{E46ECC3D-DF20-CAB4-C582-6B92BDF13DC2}"/>
+              </a:ext>
+            </a:extLst>
+          </p:cNvPr>
+          <p:cNvSpPr>
+            <a:spLocks noGrp="1"/>
+          </p:cNvSpPr>
+          <p:nvPr>
+            <p:ph type="title"/>
+          </p:nvPr>
+        </p:nvSpPr>
+        <p:spPr/>
+        <p:txBody>
+          <a:bodyPr/>
+          <a:lstStyle/>
+          <a:p>
+            <a:r>
+              <a:rPr lang="en-US" dirty="0"/>
+              <a:t>Static model</a:t>
+            </a:r>
+          </a:p>
+        </p:txBody>
+      </p:sp>
+      <p:sp>
+        <p:nvSpPr>
+          <p:cNvPr id="3" name="Pladsholder til tekst 2">
+            <a:extLst>
+              <a:ext uri="{FF2B5EF4-FFF2-40B4-BE49-F238E27FC236}">
+                <a16:creationId xmlns:a16="http://schemas.microsoft.com/office/drawing/2014/main" id="{E8D1ED2A-812E-F000-BF2A-D453570CC225}"/>
+              </a:ext>
+            </a:extLst>
+          </p:cNvPr>
+          <p:cNvSpPr>
+            <a:spLocks noGrp="1"/>
+          </p:cNvSpPr>
+          <p:nvPr>
+            <p:ph type="body" idx="1"/>
+          </p:nvPr>
+        </p:nvSpPr>
+        <p:spPr/>
+        <p:txBody>
+          <a:bodyPr/>
+          <a:lstStyle/>
+          <a:p>
+            <a:endParaRPr lang="en-US"/>
+          </a:p>
+        </p:txBody>
+      </p:sp>
+      <p:pic>
+        <p:nvPicPr>
+          <p:cNvPr id="8" name="Pladsholder til indhold 7">
+            <a:extLst>
+              <a:ext uri="{FF2B5EF4-FFF2-40B4-BE49-F238E27FC236}">
+                <a16:creationId xmlns:a16="http://schemas.microsoft.com/office/drawing/2014/main" id="{EAA8AF62-A003-E8B7-22E9-903CB2A89EDE}"/>
+              </a:ext>
+            </a:extLst>
+          </p:cNvPr>
+          <p:cNvPicPr>
+            <a:picLocks noGrp="1" noChangeAspect="1"/>
+          </p:cNvPicPr>
+          <p:nvPr>
+            <p:ph sz="half" idx="2"/>
+          </p:nvPr>
+        </p:nvPicPr>
+        <p:blipFill>
+          <a:blip r:embed="rId2"/>
+          <a:stretch>
+            <a:fillRect/>
+          </a:stretch>
+        </p:blipFill>
+        <p:spPr>
+          <a:xfrm>
+            <a:off x="932438" y="2505075"/>
+            <a:ext cx="4972487" cy="3684588"/>
+          </a:xfrm>
+        </p:spPr>
+      </p:pic>
+      <p:sp>
+        <p:nvSpPr>
+          <p:cNvPr id="5" name="Pladsholder til tekst 4">
+            <a:extLst>
+              <a:ext uri="{FF2B5EF4-FFF2-40B4-BE49-F238E27FC236}">
+                <a16:creationId xmlns:a16="http://schemas.microsoft.com/office/drawing/2014/main" id="{E1B11147-6B47-363D-47F5-BA3367AE584C}"/>
+              </a:ext>
+            </a:extLst>
+          </p:cNvPr>
+          <p:cNvSpPr>
+            <a:spLocks noGrp="1"/>
+          </p:cNvSpPr>
+          <p:nvPr>
+            <p:ph type="body" sz="quarter" idx="3"/>
+          </p:nvPr>
+        </p:nvSpPr>
+        <p:spPr/>
+        <p:txBody>
+          <a:bodyPr/>
+          <a:lstStyle/>
+          <a:p>
+            <a:endParaRPr lang="en-US"/>
+          </a:p>
+        </p:txBody>
+      </p:sp>
+      <p:pic>
+        <p:nvPicPr>
+          <p:cNvPr id="10" name="Pladsholder til indhold 9">
+            <a:extLst>
+              <a:ext uri="{FF2B5EF4-FFF2-40B4-BE49-F238E27FC236}">
+                <a16:creationId xmlns:a16="http://schemas.microsoft.com/office/drawing/2014/main" id="{22223FEB-B5A1-F6F0-CBA3-7D1832FAE1A4}"/>
+              </a:ext>
+            </a:extLst>
+          </p:cNvPr>
+          <p:cNvPicPr>
+            <a:picLocks noGrp="1" noChangeAspect="1"/>
+          </p:cNvPicPr>
+          <p:nvPr>
+            <p:ph sz="quarter" idx="4"/>
+          </p:nvPr>
+        </p:nvPicPr>
+        <p:blipFill>
+          <a:blip r:embed="rId3"/>
+          <a:stretch>
+            <a:fillRect/>
+          </a:stretch>
+        </p:blipFill>
+        <p:spPr>
+          <a:xfrm>
+            <a:off x="6277550" y="2505075"/>
+            <a:ext cx="4972487" cy="3684588"/>
+          </a:xfrm>
+        </p:spPr>
+      </p:pic>
+    </p:spTree>
+    <p:extLst>
+      <p:ext uri="{BB962C8B-B14F-4D97-AF65-F5344CB8AC3E}">
+        <p14:creationId xmlns:p14="http://schemas.microsoft.com/office/powerpoint/2010/main" val="972232037"/>
+      </p:ext>
+    </p:extLst>
+  </p:cSld>
+  <p:clrMapOvr>
+    <a:masterClrMapping/>
+  </p:clrMapOvr>
+</p:sld>
+</file>
+
+<file path=ppt/slides/slide5.xml><?xml version="1.0" encoding="utf-8"?>
+<p:sld xmlns:a="http://schemas.openxmlformats.org/drawingml/2006/main" xmlns:r="http://schemas.openxmlformats.org/officeDocument/2006/relationships" xmlns:p="http://schemas.openxmlformats.org/presentationml/2006/main">
+  <p:cSld>
+    <p:spTree>
+      <p:nvGrpSpPr>
+        <p:cNvPr id="1" name=""/>
+        <p:cNvGrpSpPr/>
+        <p:nvPr/>
+      </p:nvGrpSpPr>
+      <p:grpSpPr>
+        <a:xfrm>
+          <a:off x="0" y="0"/>
+          <a:ext cx="0" cy="0"/>
+          <a:chOff x="0" y="0"/>
+          <a:chExt cx="0" cy="0"/>
+        </a:xfrm>
+      </p:grpSpPr>
+      <p:sp>
+        <p:nvSpPr>
+          <p:cNvPr id="2" name="Titel 1">
+            <a:extLst>
+              <a:ext uri="{FF2B5EF4-FFF2-40B4-BE49-F238E27FC236}">
+                <a16:creationId xmlns:a16="http://schemas.microsoft.com/office/drawing/2014/main" id="{C6367F1E-B298-2AC0-2E45-A850E900AC8D}"/>
+              </a:ext>
+            </a:extLst>
+          </p:cNvPr>
+          <p:cNvSpPr>
+            <a:spLocks noGrp="1"/>
+          </p:cNvSpPr>
+          <p:nvPr>
+            <p:ph type="title"/>
+          </p:nvPr>
+        </p:nvSpPr>
+        <p:spPr/>
+        <p:txBody>
+          <a:bodyPr/>
+          <a:lstStyle/>
+          <a:p>
+            <a:endParaRPr lang="en-US"/>
+          </a:p>
+        </p:txBody>
+      </p:sp>
+      <p:sp>
+        <p:nvSpPr>
+          <p:cNvPr id="3" name="Pladsholder til tekst 2">
+            <a:extLst>
+              <a:ext uri="{FF2B5EF4-FFF2-40B4-BE49-F238E27FC236}">
+                <a16:creationId xmlns:a16="http://schemas.microsoft.com/office/drawing/2014/main" id="{8E72FE3F-586F-84BF-ED95-0A59F99A398E}"/>
+              </a:ext>
+            </a:extLst>
+          </p:cNvPr>
+          <p:cNvSpPr>
+            <a:spLocks noGrp="1"/>
+          </p:cNvSpPr>
+          <p:nvPr>
+            <p:ph type="body" idx="1"/>
+          </p:nvPr>
+        </p:nvSpPr>
+        <p:spPr/>
+        <p:txBody>
+          <a:bodyPr/>
+          <a:lstStyle/>
+          <a:p>
+            <a:r>
+              <a:rPr lang="en-US" dirty="0"/>
+              <a:t>ARX</a:t>
+            </a:r>
+          </a:p>
+        </p:txBody>
+      </p:sp>
+      <p:sp>
+        <p:nvSpPr>
+          <p:cNvPr id="5" name="Pladsholder til tekst 4">
+            <a:extLst>
+              <a:ext uri="{FF2B5EF4-FFF2-40B4-BE49-F238E27FC236}">
+                <a16:creationId xmlns:a16="http://schemas.microsoft.com/office/drawing/2014/main" id="{F6147903-474D-2315-03AA-39C6C82A538B}"/>
+              </a:ext>
+            </a:extLst>
+          </p:cNvPr>
+          <p:cNvSpPr>
+            <a:spLocks noGrp="1"/>
+          </p:cNvSpPr>
+          <p:nvPr>
+            <p:ph type="body" sz="quarter" idx="3"/>
+          </p:nvPr>
+        </p:nvSpPr>
+        <p:spPr/>
+        <p:txBody>
+          <a:bodyPr/>
+          <a:lstStyle/>
+          <a:p>
+            <a:r>
+              <a:rPr lang="en-US" dirty="0"/>
+              <a:t>NN</a:t>
+            </a:r>
+          </a:p>
+        </p:txBody>
+      </p:sp>
+      <p:pic>
+        <p:nvPicPr>
+          <p:cNvPr id="10" name="Pladsholder til indhold 9">
+            <a:extLst>
+              <a:ext uri="{FF2B5EF4-FFF2-40B4-BE49-F238E27FC236}">
+                <a16:creationId xmlns:a16="http://schemas.microsoft.com/office/drawing/2014/main" id="{5D8C5E13-6388-3102-E09F-1F71637E42DF}"/>
+              </a:ext>
+            </a:extLst>
+          </p:cNvPr>
+          <p:cNvPicPr>
+            <a:picLocks noGrp="1" noChangeAspect="1"/>
+          </p:cNvPicPr>
+          <p:nvPr>
+            <p:ph sz="half" idx="2"/>
+          </p:nvPr>
+        </p:nvPicPr>
+        <p:blipFill>
+          <a:blip r:embed="rId2"/>
+          <a:stretch>
+            <a:fillRect/>
+          </a:stretch>
+        </p:blipFill>
+        <p:spPr>
+          <a:xfrm>
+            <a:off x="839788" y="2681956"/>
+            <a:ext cx="5157787" cy="3330826"/>
+          </a:xfrm>
+        </p:spPr>
+      </p:pic>
+      <p:pic>
+        <p:nvPicPr>
+          <p:cNvPr id="7" name="Pladsholder til indhold 4">
+            <a:extLst>
+              <a:ext uri="{FF2B5EF4-FFF2-40B4-BE49-F238E27FC236}">
+                <a16:creationId xmlns:a16="http://schemas.microsoft.com/office/drawing/2014/main" id="{0A65A51A-B43B-14BB-1E0B-AE54ADEA9EDD}"/>
+              </a:ext>
+            </a:extLst>
+          </p:cNvPr>
+          <p:cNvPicPr>
+            <a:picLocks noGrp="1" noChangeAspect="1"/>
+          </p:cNvPicPr>
+          <p:nvPr>
+            <p:ph sz="quarter" idx="4"/>
+          </p:nvPr>
+        </p:nvPicPr>
+        <p:blipFill>
+          <a:blip r:embed="rId3"/>
+          <a:stretch>
+            <a:fillRect/>
+          </a:stretch>
+        </p:blipFill>
+        <p:spPr>
+          <a:xfrm>
+            <a:off x="6172200" y="2692601"/>
+            <a:ext cx="5183188" cy="3309535"/>
+          </a:xfrm>
+        </p:spPr>
+      </p:pic>
+    </p:spTree>
+    <p:extLst>
+      <p:ext uri="{BB962C8B-B14F-4D97-AF65-F5344CB8AC3E}">
+        <p14:creationId xmlns:p14="http://schemas.microsoft.com/office/powerpoint/2010/main" val="4224395443"/>
+      </p:ext>
+    </p:extLst>
+  </p:cSld>
+  <p:clrMapOvr>
+    <a:masterClrMapping/>
+  </p:clrMapOvr>
+</p:sld>
+</file>
+
+<file path=ppt/slides/slide6.xml><?xml version="1.0" encoding="utf-8"?>
+<p:sld xmlns:a="http://schemas.openxmlformats.org/drawingml/2006/main" xmlns:r="http://schemas.openxmlformats.org/officeDocument/2006/relationships" xmlns:p="http://schemas.openxmlformats.org/presentationml/2006/main">
+  <p:cSld>
+    <p:spTree>
+      <p:nvGrpSpPr>
+        <p:cNvPr id="1" name=""/>
+        <p:cNvGrpSpPr/>
+        <p:nvPr/>
+      </p:nvGrpSpPr>
+      <p:grpSpPr>
+        <a:xfrm>
+          <a:off x="0" y="0"/>
+          <a:ext cx="0" cy="0"/>
+          <a:chOff x="0" y="0"/>
+          <a:chExt cx="0" cy="0"/>
+        </a:xfrm>
+      </p:grpSpPr>
+      <p:sp>
+        <p:nvSpPr>
+          <p:cNvPr id="7" name="Titel 6">
+            <a:extLst>
+              <a:ext uri="{FF2B5EF4-FFF2-40B4-BE49-F238E27FC236}">
+                <a16:creationId xmlns:a16="http://schemas.microsoft.com/office/drawing/2014/main" id="{EA8CF873-B4FE-4375-ECDE-A70321965613}"/>
+              </a:ext>
+            </a:extLst>
+          </p:cNvPr>
+          <p:cNvSpPr>
+            <a:spLocks noGrp="1"/>
+          </p:cNvSpPr>
+          <p:nvPr>
+            <p:ph type="title"/>
+          </p:nvPr>
+        </p:nvSpPr>
+        <p:spPr/>
+        <p:txBody>
+          <a:bodyPr/>
+          <a:lstStyle/>
+          <a:p>
+            <a:r>
+              <a:rPr lang="en-US" dirty="0"/>
+              <a:t>NN training parameters</a:t>
+            </a:r>
+          </a:p>
+        </p:txBody>
+      </p:sp>
+      <p:sp>
+        <p:nvSpPr>
+          <p:cNvPr id="8" name="Pladsholder til tekst 7">
+            <a:extLst>
+              <a:ext uri="{FF2B5EF4-FFF2-40B4-BE49-F238E27FC236}">
+                <a16:creationId xmlns:a16="http://schemas.microsoft.com/office/drawing/2014/main" id="{51727BE0-E403-EA75-8702-1C3B25B43A09}"/>
+              </a:ext>
+            </a:extLst>
+          </p:cNvPr>
+          <p:cNvSpPr>
+            <a:spLocks noGrp="1"/>
+          </p:cNvSpPr>
+          <p:nvPr>
+            <p:ph type="body" idx="1"/>
+          </p:nvPr>
+        </p:nvSpPr>
+        <p:spPr/>
+        <p:txBody>
+          <a:bodyPr/>
+          <a:lstStyle/>
+          <a:p>
+            <a:r>
+              <a:rPr lang="en-US" dirty="0"/>
+              <a:t>5 epochs, MSE = 0.1506</a:t>
+            </a:r>
+          </a:p>
+        </p:txBody>
+      </p:sp>
+      <p:pic>
+        <p:nvPicPr>
+          <p:cNvPr id="13" name="Pladsholder til indhold 12">
+            <a:extLst>
+              <a:ext uri="{FF2B5EF4-FFF2-40B4-BE49-F238E27FC236}">
+                <a16:creationId xmlns:a16="http://schemas.microsoft.com/office/drawing/2014/main" id="{269FFA6E-9BE7-70F8-5C8C-4C655D9032C0}"/>
+              </a:ext>
+            </a:extLst>
+          </p:cNvPr>
+          <p:cNvPicPr>
+            <a:picLocks noGrp="1" noChangeAspect="1"/>
+          </p:cNvPicPr>
+          <p:nvPr>
+            <p:ph sz="half" idx="2"/>
+          </p:nvPr>
+        </p:nvPicPr>
+        <p:blipFill>
+          <a:blip r:embed="rId2"/>
+          <a:stretch>
+            <a:fillRect/>
+          </a:stretch>
+        </p:blipFill>
+        <p:spPr>
+          <a:xfrm>
+            <a:off x="839788" y="2700711"/>
+            <a:ext cx="5157787" cy="3293316"/>
+          </a:xfrm>
+        </p:spPr>
+      </p:pic>
+      <p:sp>
+        <p:nvSpPr>
+          <p:cNvPr id="10" name="Pladsholder til tekst 9">
+            <a:extLst>
+              <a:ext uri="{FF2B5EF4-FFF2-40B4-BE49-F238E27FC236}">
+                <a16:creationId xmlns:a16="http://schemas.microsoft.com/office/drawing/2014/main" id="{7E502699-D700-0DCD-3C99-228DAB05CC87}"/>
+              </a:ext>
+            </a:extLst>
+          </p:cNvPr>
+          <p:cNvSpPr>
+            <a:spLocks noGrp="1"/>
+          </p:cNvSpPr>
+          <p:nvPr>
+            <p:ph type="body" sz="quarter" idx="3"/>
+          </p:nvPr>
+        </p:nvSpPr>
+        <p:spPr/>
+        <p:txBody>
+          <a:bodyPr/>
+          <a:lstStyle/>
+          <a:p>
+            <a:r>
+              <a:rPr lang="en-US" dirty="0"/>
+              <a:t>3 epochs, MSE = 0.1183</a:t>
+            </a:r>
+          </a:p>
+        </p:txBody>
+      </p:sp>
+      <p:pic>
+        <p:nvPicPr>
+          <p:cNvPr id="15" name="Pladsholder til indhold 14">
+            <a:extLst>
+              <a:ext uri="{FF2B5EF4-FFF2-40B4-BE49-F238E27FC236}">
+                <a16:creationId xmlns:a16="http://schemas.microsoft.com/office/drawing/2014/main" id="{797822D6-8662-A8EB-E0A7-DF4026E22F0B}"/>
+              </a:ext>
+            </a:extLst>
+          </p:cNvPr>
+          <p:cNvPicPr>
+            <a:picLocks noGrp="1" noChangeAspect="1"/>
+          </p:cNvPicPr>
+          <p:nvPr>
+            <p:ph sz="quarter" idx="4"/>
+          </p:nvPr>
+        </p:nvPicPr>
+        <p:blipFill>
+          <a:blip r:embed="rId3"/>
+          <a:stretch>
+            <a:fillRect/>
+          </a:stretch>
+        </p:blipFill>
+        <p:spPr>
+          <a:xfrm>
+            <a:off x="6172200" y="2692601"/>
+            <a:ext cx="5183188" cy="3309535"/>
+          </a:xfrm>
+        </p:spPr>
+      </p:pic>
+    </p:spTree>
+    <p:extLst>
+      <p:ext uri="{BB962C8B-B14F-4D97-AF65-F5344CB8AC3E}">
+        <p14:creationId xmlns:p14="http://schemas.microsoft.com/office/powerpoint/2010/main" val="534541583"/>
+      </p:ext>
+    </p:extLst>
+  </p:cSld>
+  <p:clrMapOvr>
+    <a:masterClrMapping/>
+  </p:clrMapOvr>
+</p:sld>
+</file>
+
+<file path=ppt/slides/slide7.xml><?xml version="1.0" encoding="utf-8"?>
+<p:sld xmlns:a="http://schemas.openxmlformats.org/drawingml/2006/main" xmlns:r="http://schemas.openxmlformats.org/officeDocument/2006/relationships" xmlns:p="http://schemas.openxmlformats.org/presentationml/2006/main">
+  <p:cSld>
+    <p:spTree>
+      <p:nvGrpSpPr>
+        <p:cNvPr id="1" name=""/>
+        <p:cNvGrpSpPr/>
+        <p:nvPr/>
+      </p:nvGrpSpPr>
+      <p:grpSpPr>
+        <a:xfrm>
+          <a:off x="0" y="0"/>
+          <a:ext cx="0" cy="0"/>
+          <a:chOff x="0" y="0"/>
+          <a:chExt cx="0" cy="0"/>
+        </a:xfrm>
+      </p:grpSpPr>
+      <p:sp>
+        <p:nvSpPr>
+          <p:cNvPr id="7" name="Titel 6">
+            <a:extLst>
+              <a:ext uri="{FF2B5EF4-FFF2-40B4-BE49-F238E27FC236}">
+                <a16:creationId xmlns:a16="http://schemas.microsoft.com/office/drawing/2014/main" id="{EA8CF873-B4FE-4375-ECDE-A70321965613}"/>
+              </a:ext>
+            </a:extLst>
+          </p:cNvPr>
+          <p:cNvSpPr>
+            <a:spLocks noGrp="1"/>
+          </p:cNvSpPr>
+          <p:nvPr>
+            <p:ph type="title"/>
+          </p:nvPr>
+        </p:nvSpPr>
+        <p:spPr/>
+        <p:txBody>
+          <a:bodyPr/>
+          <a:lstStyle/>
+          <a:p>
+            <a:r>
+              <a:rPr lang="en-US" dirty="0"/>
+              <a:t>NN training parameters</a:t>
+            </a:r>
+          </a:p>
+        </p:txBody>
+      </p:sp>
+      <p:sp>
+        <p:nvSpPr>
+          <p:cNvPr id="8" name="Pladsholder til tekst 7">
+            <a:extLst>
+              <a:ext uri="{FF2B5EF4-FFF2-40B4-BE49-F238E27FC236}">
+                <a16:creationId xmlns:a16="http://schemas.microsoft.com/office/drawing/2014/main" id="{51727BE0-E403-EA75-8702-1C3B25B43A09}"/>
+              </a:ext>
+            </a:extLst>
+          </p:cNvPr>
+          <p:cNvSpPr>
+            <a:spLocks noGrp="1"/>
+          </p:cNvSpPr>
+          <p:nvPr>
+            <p:ph type="body" idx="1"/>
+          </p:nvPr>
+        </p:nvSpPr>
+        <p:spPr/>
+        <p:txBody>
+          <a:bodyPr/>
+          <a:lstStyle/>
+          <a:p>
+            <a:r>
+              <a:rPr lang="en-US" dirty="0"/>
+              <a:t>10 epochs, MSE = 0.2536</a:t>
+            </a:r>
+          </a:p>
+        </p:txBody>
+      </p:sp>
+      <p:sp>
+        <p:nvSpPr>
+          <p:cNvPr id="10" name="Pladsholder til tekst 9">
+            <a:extLst>
+              <a:ext uri="{FF2B5EF4-FFF2-40B4-BE49-F238E27FC236}">
+                <a16:creationId xmlns:a16="http://schemas.microsoft.com/office/drawing/2014/main" id="{7E502699-D700-0DCD-3C99-228DAB05CC87}"/>
+              </a:ext>
+            </a:extLst>
+          </p:cNvPr>
+          <p:cNvSpPr>
+            <a:spLocks noGrp="1"/>
+          </p:cNvSpPr>
+          <p:nvPr>
+            <p:ph type="body" sz="quarter" idx="3"/>
+          </p:nvPr>
+        </p:nvSpPr>
+        <p:spPr/>
+        <p:txBody>
+          <a:bodyPr/>
+          <a:lstStyle/>
+          <a:p>
+            <a:r>
+              <a:rPr lang="en-US" dirty="0"/>
+              <a:t>1 epochs, MSE = 0.4071</a:t>
+            </a:r>
+          </a:p>
+        </p:txBody>
+      </p:sp>
+      <p:pic>
+        <p:nvPicPr>
+          <p:cNvPr id="5" name="Pladsholder til indhold 4">
+            <a:extLst>
+              <a:ext uri="{FF2B5EF4-FFF2-40B4-BE49-F238E27FC236}">
+                <a16:creationId xmlns:a16="http://schemas.microsoft.com/office/drawing/2014/main" id="{42FDB3D5-778C-C38F-5683-2EFD8B116F1B}"/>
+              </a:ext>
+            </a:extLst>
+          </p:cNvPr>
+          <p:cNvPicPr>
+            <a:picLocks noGrp="1" noChangeAspect="1"/>
+          </p:cNvPicPr>
+          <p:nvPr>
+            <p:ph sz="half" idx="2"/>
+          </p:nvPr>
+        </p:nvPicPr>
+        <p:blipFill>
+          <a:blip r:embed="rId2"/>
+          <a:stretch>
+            <a:fillRect/>
+          </a:stretch>
+        </p:blipFill>
+        <p:spPr>
+          <a:xfrm>
+            <a:off x="839788" y="2700711"/>
+            <a:ext cx="5157787" cy="3293316"/>
+          </a:xfrm>
+        </p:spPr>
+      </p:pic>
+      <p:pic>
+        <p:nvPicPr>
+          <p:cNvPr id="12" name="Pladsholder til indhold 11">
+            <a:extLst>
+              <a:ext uri="{FF2B5EF4-FFF2-40B4-BE49-F238E27FC236}">
+                <a16:creationId xmlns:a16="http://schemas.microsoft.com/office/drawing/2014/main" id="{7C170319-21E7-530D-85F0-1B917BC3537D}"/>
+              </a:ext>
+            </a:extLst>
+          </p:cNvPr>
+          <p:cNvPicPr>
+            <a:picLocks noGrp="1" noChangeAspect="1"/>
+          </p:cNvPicPr>
+          <p:nvPr>
+            <p:ph sz="quarter" idx="4"/>
+          </p:nvPr>
+        </p:nvPicPr>
+        <p:blipFill>
+          <a:blip r:embed="rId3"/>
+          <a:stretch>
+            <a:fillRect/>
+          </a:stretch>
+        </p:blipFill>
+        <p:spPr>
+          <a:xfrm>
+            <a:off x="6172200" y="2692601"/>
+            <a:ext cx="5183188" cy="3309535"/>
+          </a:xfrm>
+        </p:spPr>
+      </p:pic>
+    </p:spTree>
+    <p:extLst>
+      <p:ext uri="{BB962C8B-B14F-4D97-AF65-F5344CB8AC3E}">
+        <p14:creationId xmlns:p14="http://schemas.microsoft.com/office/powerpoint/2010/main" val="12461646"/>
+      </p:ext>
+    </p:extLst>
+  </p:cSld>
+  <p:clrMapOvr>
+    <a:masterClrMapping/>
+  </p:clrMapOvr>
+</p:sld>
+</file>
+
+<file path=ppt/slides/slide8.xml><?xml version="1.0" encoding="utf-8"?>
+<p:sld xmlns:a="http://schemas.openxmlformats.org/drawingml/2006/main" xmlns:r="http://schemas.openxmlformats.org/officeDocument/2006/relationships" xmlns:p="http://schemas.openxmlformats.org/presentationml/2006/main">
+  <p:cSld>
+    <p:spTree>
+      <p:nvGrpSpPr>
+        <p:cNvPr id="1" name=""/>
+        <p:cNvGrpSpPr/>
+        <p:nvPr/>
+      </p:nvGrpSpPr>
+      <p:grpSpPr>
+        <a:xfrm>
+          <a:off x="0" y="0"/>
+          <a:ext cx="0" cy="0"/>
+          <a:chOff x="0" y="0"/>
+          <a:chExt cx="0" cy="0"/>
+        </a:xfrm>
+      </p:grpSpPr>
+      <p:sp>
+        <p:nvSpPr>
+          <p:cNvPr id="7" name="Titel 6">
+            <a:extLst>
+              <a:ext uri="{FF2B5EF4-FFF2-40B4-BE49-F238E27FC236}">
+                <a16:creationId xmlns:a16="http://schemas.microsoft.com/office/drawing/2014/main" id="{EA8CF873-B4FE-4375-ECDE-A70321965613}"/>
+              </a:ext>
+            </a:extLst>
+          </p:cNvPr>
+          <p:cNvSpPr>
+            <a:spLocks noGrp="1"/>
+          </p:cNvSpPr>
+          <p:nvPr>
+            <p:ph type="title"/>
+          </p:nvPr>
+        </p:nvSpPr>
+        <p:spPr/>
+        <p:txBody>
+          <a:bodyPr/>
+          <a:lstStyle/>
+          <a:p>
+            <a:r>
+              <a:rPr lang="en-US" dirty="0"/>
+              <a:t>NN training parameters</a:t>
+            </a:r>
+          </a:p>
+        </p:txBody>
+      </p:sp>
+      <p:sp>
+        <p:nvSpPr>
+          <p:cNvPr id="8" name="Pladsholder til tekst 7">
+            <a:extLst>
+              <a:ext uri="{FF2B5EF4-FFF2-40B4-BE49-F238E27FC236}">
+                <a16:creationId xmlns:a16="http://schemas.microsoft.com/office/drawing/2014/main" id="{51727BE0-E403-EA75-8702-1C3B25B43A09}"/>
+              </a:ext>
+            </a:extLst>
+          </p:cNvPr>
+          <p:cNvSpPr>
+            <a:spLocks noGrp="1"/>
+          </p:cNvSpPr>
+          <p:nvPr>
+            <p:ph type="body" idx="1"/>
+          </p:nvPr>
+        </p:nvSpPr>
+        <p:spPr/>
+        <p:txBody>
+          <a:bodyPr/>
+          <a:lstStyle/>
+          <a:p>
+            <a:r>
+              <a:rPr lang="en-US" dirty="0"/>
+              <a:t>20 epochs, MSE = 0.5001</a:t>
+            </a:r>
+          </a:p>
+        </p:txBody>
+      </p:sp>
+      <p:sp>
+        <p:nvSpPr>
+          <p:cNvPr id="10" name="Pladsholder til tekst 9">
+            <a:extLst>
+              <a:ext uri="{FF2B5EF4-FFF2-40B4-BE49-F238E27FC236}">
+                <a16:creationId xmlns:a16="http://schemas.microsoft.com/office/drawing/2014/main" id="{7E502699-D700-0DCD-3C99-228DAB05CC87}"/>
+              </a:ext>
+            </a:extLst>
+          </p:cNvPr>
+          <p:cNvSpPr>
+            <a:spLocks noGrp="1"/>
+          </p:cNvSpPr>
+          <p:nvPr>
+            <p:ph type="body" sz="quarter" idx="3"/>
+          </p:nvPr>
+        </p:nvSpPr>
+        <p:spPr/>
+        <p:txBody>
+          <a:bodyPr/>
+          <a:lstStyle/>
+          <a:p>
+            <a:r>
+              <a:rPr lang="en-US" dirty="0"/>
+              <a:t>3 epochs, MSE = , 2 HL x </a:t>
+            </a:r>
+            <a:r>
+              <a:rPr lang="en-US"/>
+              <a:t>4 neurons</a:t>
+            </a:r>
+            <a:endParaRPr lang="en-US" dirty="0"/>
+          </a:p>
+        </p:txBody>
+      </p:sp>
+      <p:pic>
+        <p:nvPicPr>
+          <p:cNvPr id="14" name="Pladsholder til indhold 13">
+            <a:extLst>
+              <a:ext uri="{FF2B5EF4-FFF2-40B4-BE49-F238E27FC236}">
+                <a16:creationId xmlns:a16="http://schemas.microsoft.com/office/drawing/2014/main" id="{40E32681-6CC0-8040-D231-99BF7637DA12}"/>
+              </a:ext>
+            </a:extLst>
+          </p:cNvPr>
+          <p:cNvPicPr>
+            <a:picLocks noGrp="1" noChangeAspect="1"/>
+          </p:cNvPicPr>
+          <p:nvPr>
+            <p:ph sz="half" idx="2"/>
+          </p:nvPr>
+        </p:nvPicPr>
+        <p:blipFill>
+          <a:blip r:embed="rId2"/>
+          <a:stretch>
+            <a:fillRect/>
+          </a:stretch>
+        </p:blipFill>
+        <p:spPr>
+          <a:xfrm>
+            <a:off x="839788" y="2700711"/>
+            <a:ext cx="5157787" cy="3293316"/>
+          </a:xfrm>
+        </p:spPr>
+      </p:pic>
+      <p:sp>
+        <p:nvSpPr>
+          <p:cNvPr id="16" name="Pladsholder til indhold 15">
+            <a:extLst>
+              <a:ext uri="{FF2B5EF4-FFF2-40B4-BE49-F238E27FC236}">
+                <a16:creationId xmlns:a16="http://schemas.microsoft.com/office/drawing/2014/main" id="{A94D6645-8938-6101-268D-412CD95890F7}"/>
+              </a:ext>
+            </a:extLst>
+          </p:cNvPr>
+          <p:cNvSpPr>
+            <a:spLocks noGrp="1"/>
+          </p:cNvSpPr>
+          <p:nvPr>
+            <p:ph sz="quarter" idx="4"/>
+          </p:nvPr>
+        </p:nvSpPr>
+        <p:spPr/>
+        <p:txBody>
+          <a:bodyPr/>
+          <a:lstStyle/>
+          <a:p>
+            <a:endParaRPr lang="en-US"/>
+          </a:p>
+        </p:txBody>
+      </p:sp>
+    </p:spTree>
+    <p:extLst>
+      <p:ext uri="{BB962C8B-B14F-4D97-AF65-F5344CB8AC3E}">
+        <p14:creationId xmlns:p14="http://schemas.microsoft.com/office/powerpoint/2010/main" val="401109420"/>
       </p:ext>
     </p:extLst>
   </p:cSld>

--- a/Final Project/FinalPresentation.pptx
+++ b/Final Project/FinalPresentation.pptx
@@ -13,6 +13,9 @@
     <p:sldId id="265" r:id="rId7"/>
     <p:sldId id="266" r:id="rId8"/>
     <p:sldId id="267" r:id="rId9"/>
+    <p:sldId id="269" r:id="rId10"/>
+    <p:sldId id="268" r:id="rId11"/>
+    <p:sldId id="270" r:id="rId12"/>
   </p:sldIdLst>
   <p:sldSz cx="12192000" cy="6858000"/>
   <p:notesSz cx="6858000" cy="9144000"/>
@@ -117,6 +120,35 @@
     </p:ext>
   </p:extLst>
 </p:presentation>
+</file>
+
+<file path=ppt/ink/ink1.xml><?xml version="1.0" encoding="utf-8"?>
+<inkml:ink xmlns:inkml="http://www.w3.org/2003/InkML">
+  <inkml:definitions>
+    <inkml:context xml:id="ctx0">
+      <inkml:inkSource xml:id="inkSrc0">
+        <inkml:traceFormat>
+          <inkml:channel name="X" type="integer" max="1920" units="cm"/>
+          <inkml:channel name="Y" type="integer" max="1080" units="cm"/>
+          <inkml:channel name="T" type="integer" max="2.14748E9" units="dev"/>
+        </inkml:traceFormat>
+        <inkml:channelProperties>
+          <inkml:channelProperty channel="X" name="resolution" value="55.81395" units="1/cm"/>
+          <inkml:channelProperty channel="Y" name="resolution" value="55.95855" units="1/cm"/>
+          <inkml:channelProperty channel="T" name="resolution" value="1" units="1/dev"/>
+        </inkml:channelProperties>
+      </inkml:inkSource>
+      <inkml:timestamp xml:id="ts0" timeString="2024-01-16T13:44:57.024"/>
+    </inkml:context>
+    <inkml:brush xml:id="br0">
+      <inkml:brushProperty name="width" value="0.05292" units="cm"/>
+      <inkml:brushProperty name="height" value="0.05292" units="cm"/>
+      <inkml:brushProperty name="color" value="#00B050"/>
+    </inkml:brush>
+  </inkml:definitions>
+  <inkml:trace contextRef="#ctx0" brushRef="#br0">4233 15046 0,'36'-18'0,"17"18"31,123 0 0,-35-17-15,141-36 0,-52 17-1,228-87 17,1 17-1,-54 18 0,-316 53-15,-1-1-16,106 1 31,-124 18-15,36-19-1,106-70 1,-53 36-1,-1 35 1,1-18 0,-53 17-1,53-17 1,17-35 0,1 35-1,87-35 16,-176 53-31,1 17 16,228-70 15,-70 17-15,-71 19 0,-87-1-1,87-36 1,-17 1-1,17-18 1,-17 1 0,-18 34-1,-18-17 1,1 0 0,17-1-1,0 1 1,-70 35-1,105-70 1,-88 70-16,159-88 31,-88 17-15,-18 19 0,35-19-1,-17-35 1,18-17-1,-36 17 1,0 36 0,-53 70-1,71-71 1,-18 1 0,-18-1-1,-52 36 1,-1 18-16,-17-19 15,106-69 1,-88 105 0,87-106-1,-105 88 1,88-87 0,-35 17-1,-35 70 1,35-70-1,35 17 1,-106 54 0,106-89-1,0 36 1,-70 34 0,70-69-1,-88 70 1,70-89-1,-34 71 1,34-88 0,18 36 15,-35-1-15,-71 88-1,53-35 1,-52 36-1,17-54 1,0 54 0,17-54-1,-52 71 1,52-70 0,-34 52-1,16-70 1,-34 88-1,0-17 1,35-1-16,-36 1 16,1 17-1,0-18 1,34-35 0,-16 53-1,17-35 1,-36 18-1,54-18 1,-53 35 0,70-71-1,-71 71 1,54-70 0,-53 87-1,17-16 1,0 16-1,-17-17-15,17 18 16,0-53 0,18 17 15,-35 54-15,-1-71-1,1 70 1,17-53-1,-17 54 1,0-54 0,-18 53-1,0-17 48,17 18-16,-17-1-16,0 0 16,36-17-16,-36 17 0,0 54 391,-53 69-391,17-52-31,1 53 32,-35-18-1,70-70-31,-18 0 16,0 35 15,-35 17 0,18 18 16,-35 1-31,17-54-1,17 53 1,-17-17-1,1-1 1,16-52-16,19 17 16,-54 36-1,53-18 1,-17-18 0,-18 18-16,53-36 15,-35 19 1,0 17-16,17-36 15,-70 89 1,53-35 0,-36 17-1,18-18 17,18 19-17,17-54 1,-17 35-1,17-52 1,-17 70 0,35-35-1,-35-18 1,-1 54 0,19-36-1,-19-36-15,36 36 16,-52 71-1,16-36 1,19-35 0,-19 70-16,-34-17 15,-1 17 17,-17 54-17,18-71 1,17 17-1,-36 18 1,19-17 0,-1 17-1,36-71-15,-18-34 16,-35 122 0,70-122-16,1 17 15,-72 52 1,54-52-16,-18 36 15,18-37 1,17-52 0,18 36-1,-35 17-15,-18 0 32,-35 70-17,17-52 1,18 17-1,-70 53 1,35-53 0,0 18-1,-36 70 17,-70 18-17,141-141-15,-17 0 16,34 0-16,-17-18 15,-52 54 1,34-19 0,-35 1-1,-105 52 17,34 18-17,36-53 1,-53 1-1,0 16 1,71-34 0,-54 53-1,36-36 1,-106 88 15,53-17-15,141-142-1,-70 107 1,-36-1 0,53-52 15,-17 17-15,17-17-1,70-36-15,-52 36 16,-35-1-1,35-17 1,52 0-16,-17-35 16,-35 52-1,-18 1 1,1-18 0,-37 35 15,19-18-16,-106 36 1,88-35 0,-1 17 15,-16-17-15,34-1-1,-52-17 1,-1 18-1,-17-1 1,-17 1 0,105-36-16,-141 18 31,-18 0-15,124-18-16,0 0 15,-106 36 16,141-53-31,-17-1 0,-177 54 16,0-1 0,159-52-1,-123 52 17,52-34-17,53-1 1,36-17-1,-1-1 1,71-17-16,-17 18 16,-19-18-16,19 0 15,-18 35-15,0-35 16,-1 18-16,1-18 16,-71 17-1,124-17-15,-212 18 47,36 17-31,87-17 15,18 0-31,71-18 31,-53 17-15,0-17-1,-1 36 1,1-19 0,35 1-1,36-18-15,-1 0 16,-17 0-16,17 0 16,-17 0-1,-1 18-15,-52-18 16,71 35-1,-1-35-15,-123 17 32,88-17-1,18 18 16,17-18-32,0 0-15,-34 0 16,-37 18 0,72-18-1,-19 0 1,1 35-16,17-35 16,-87 0-16,-54 18 15,88-1 1,18-17-16,18 0 15,18 0 1</inkml:trace>
+  <inkml:trace contextRef="#ctx0" brushRef="#br0" timeOffset="17297.47">1411 13635 0,'0'-35'79,"71"35"-64,-18-36 1,123 1-1,89 17 17,17-17-1,-123 17-15,-124 18-1,35 0-15,54-17 16,-1-1 15,-17 18-15,18-35-1,-71 35-15,-18 0 16,88-18 0,54 1-1,-36-1 1,0 18-1,-18-35 1,18 17 15,-52 18-31,-54 0 0,88-18 16,1 18 0,35-17-1,-1-18 1,-17 35 15,-17-18-15,-1 18-1,-70 0-15,53 0 16,71-18 0,17 1-1,35-19 1,-106 36-1,71-17 1,-52 17 0,52-18-1,35-35 1,-123 53 0,70-18-1,-70 18 1,70-17 15,-88 17-15,89-18-1,-71-17 1,35 35-16,-106-18 16,177 18-1,-18-17 1,-71-1-1,36-35-15,-88 53 16,52-18 0,53-34-1,-34 34 1,69-17 0,-140 35-1,-1-36-15,142 1 16,-53 17 15,-18-34-15,-18 16-16,-52 1 15,35 0 1,70-18 0,53-53-1,-105 71 1,-18-36-1,52-17 1,-69 35 0,52 18-1,-35-18 1,88-35 15,-36-1-15,-87 72-1,-18-19 1,70-34-16,-87 52 16,69-52-1,-34 52-15,-18-17 16,123-89 0,-123 71-16,88-35 15,53-53 1,-88 71-1,18-19 1,17-69 0,-18 69-1,-17-16 1,18-1 0,122-141 15,-69 70 0,-107 125-31,-34-1 16,193-159-1,-106 88 1,-52 72 0,0-1-16,52-88 15,18 35 1,53-141-1,-35 88 1,-36 18 0,19-18-1,34-35 1,-70 35 0,-53 71-1,0 0-15,17 0 16,36-71-1,-53 71 1,53-36-16,-36 36 16,124-212-1,-35 71 1,0-18 0,52-88-1,-105 159 1,-17 52-1,-19-17 1,71-124 0,0 18-1,-17 36 1,-18 17 0,-18 35-1,0-17 1,-53 105-1,36-105 1,-18 87 0,35-158-1,-53 106 1,-35 88 0,18 18-1,17-35 1,-17-1-1,-1 53 1,-17 1 0</inkml:trace>
+</inkml:ink>
 </file>
 
 <file path=ppt/slideLayouts/slideLayout1.xml><?xml version="1.0" encoding="utf-8"?>
@@ -3417,6 +3449,406 @@
 </p:sld>
 </file>
 
+<file path=ppt/slides/slide10.xml><?xml version="1.0" encoding="utf-8"?>
+<p:sld xmlns:a="http://schemas.openxmlformats.org/drawingml/2006/main" xmlns:r="http://schemas.openxmlformats.org/officeDocument/2006/relationships" xmlns:p="http://schemas.openxmlformats.org/presentationml/2006/main">
+  <p:cSld>
+    <p:spTree>
+      <p:nvGrpSpPr>
+        <p:cNvPr id="1" name=""/>
+        <p:cNvGrpSpPr/>
+        <p:nvPr/>
+      </p:nvGrpSpPr>
+      <p:grpSpPr>
+        <a:xfrm>
+          <a:off x="0" y="0"/>
+          <a:ext cx="0" cy="0"/>
+          <a:chOff x="0" y="0"/>
+          <a:chExt cx="0" cy="0"/>
+        </a:xfrm>
+      </p:grpSpPr>
+      <p:sp>
+        <p:nvSpPr>
+          <p:cNvPr id="2" name="Titel 1">
+            <a:extLst>
+              <a:ext uri="{FF2B5EF4-FFF2-40B4-BE49-F238E27FC236}">
+                <a16:creationId xmlns:a16="http://schemas.microsoft.com/office/drawing/2014/main" id="{1159A321-7ADD-829B-21E8-48EAEB585929}"/>
+              </a:ext>
+            </a:extLst>
+          </p:cNvPr>
+          <p:cNvSpPr>
+            <a:spLocks noGrp="1"/>
+          </p:cNvSpPr>
+          <p:nvPr>
+            <p:ph type="title"/>
+          </p:nvPr>
+        </p:nvSpPr>
+        <p:spPr>
+          <a:xfrm>
+            <a:off x="839788" y="365125"/>
+            <a:ext cx="10515600" cy="623703"/>
+          </a:xfrm>
+        </p:spPr>
+        <p:txBody>
+          <a:bodyPr>
+            <a:normAutofit fontScale="90000"/>
+          </a:bodyPr>
+          <a:lstStyle/>
+          <a:p>
+            <a:r>
+              <a:rPr lang="da-DK" dirty="0"/>
+              <a:t>NN </a:t>
+            </a:r>
+            <a:r>
+              <a:rPr lang="da-DK" dirty="0" err="1"/>
+              <a:t>loss</a:t>
+            </a:r>
+            <a:r>
+              <a:rPr lang="da-DK" dirty="0"/>
+              <a:t> </a:t>
+            </a:r>
+            <a:r>
+              <a:rPr lang="da-DK" dirty="0" err="1"/>
+              <a:t>functions</a:t>
+            </a:r>
+            <a:endParaRPr lang="en-US" dirty="0"/>
+          </a:p>
+        </p:txBody>
+      </p:sp>
+      <p:sp>
+        <p:nvSpPr>
+          <p:cNvPr id="3" name="Pladsholder til tekst 2">
+            <a:extLst>
+              <a:ext uri="{FF2B5EF4-FFF2-40B4-BE49-F238E27FC236}">
+                <a16:creationId xmlns:a16="http://schemas.microsoft.com/office/drawing/2014/main" id="{0243ACBC-81B9-1CB8-DBE6-AF61AEDED244}"/>
+              </a:ext>
+            </a:extLst>
+          </p:cNvPr>
+          <p:cNvSpPr>
+            <a:spLocks noGrp="1"/>
+          </p:cNvSpPr>
+          <p:nvPr>
+            <p:ph type="body" idx="1"/>
+          </p:nvPr>
+        </p:nvSpPr>
+        <p:spPr/>
+        <p:txBody>
+          <a:bodyPr/>
+          <a:lstStyle/>
+          <a:p>
+            <a:r>
+              <a:rPr lang="da-DK" dirty="0" err="1"/>
+              <a:t>Mse_loss</a:t>
+            </a:r>
+            <a:endParaRPr lang="en-US" dirty="0"/>
+          </a:p>
+        </p:txBody>
+      </p:sp>
+      <p:pic>
+        <p:nvPicPr>
+          <p:cNvPr id="14" name="Pladsholder til indhold 13">
+            <a:extLst>
+              <a:ext uri="{FF2B5EF4-FFF2-40B4-BE49-F238E27FC236}">
+                <a16:creationId xmlns:a16="http://schemas.microsoft.com/office/drawing/2014/main" id="{53A753CB-D563-B79D-A476-B6E3C4D6485C}"/>
+              </a:ext>
+            </a:extLst>
+          </p:cNvPr>
+          <p:cNvPicPr>
+            <a:picLocks noGrp="1" noChangeAspect="1"/>
+          </p:cNvPicPr>
+          <p:nvPr>
+            <p:ph sz="half" idx="2"/>
+          </p:nvPr>
+        </p:nvPicPr>
+        <p:blipFill>
+          <a:blip r:embed="rId2"/>
+          <a:stretch>
+            <a:fillRect/>
+          </a:stretch>
+        </p:blipFill>
+        <p:spPr>
+          <a:xfrm>
+            <a:off x="949224" y="2505075"/>
+            <a:ext cx="4938915" cy="3684588"/>
+          </a:xfrm>
+        </p:spPr>
+      </p:pic>
+      <p:sp>
+        <p:nvSpPr>
+          <p:cNvPr id="5" name="Pladsholder til tekst 4">
+            <a:extLst>
+              <a:ext uri="{FF2B5EF4-FFF2-40B4-BE49-F238E27FC236}">
+                <a16:creationId xmlns:a16="http://schemas.microsoft.com/office/drawing/2014/main" id="{A28B6FBC-D651-45CE-7166-C818E48BD505}"/>
+              </a:ext>
+            </a:extLst>
+          </p:cNvPr>
+          <p:cNvSpPr>
+            <a:spLocks noGrp="1"/>
+          </p:cNvSpPr>
+          <p:nvPr>
+            <p:ph type="body" sz="quarter" idx="3"/>
+          </p:nvPr>
+        </p:nvSpPr>
+        <p:spPr/>
+        <p:txBody>
+          <a:bodyPr/>
+          <a:lstStyle/>
+          <a:p>
+            <a:r>
+              <a:rPr lang="da-DK" dirty="0"/>
+              <a:t>L1_loss</a:t>
+            </a:r>
+            <a:endParaRPr lang="en-US" dirty="0"/>
+          </a:p>
+        </p:txBody>
+      </p:sp>
+      <p:pic>
+        <p:nvPicPr>
+          <p:cNvPr id="23" name="Pladsholder til indhold 22">
+            <a:extLst>
+              <a:ext uri="{FF2B5EF4-FFF2-40B4-BE49-F238E27FC236}">
+                <a16:creationId xmlns:a16="http://schemas.microsoft.com/office/drawing/2014/main" id="{97E328AF-056E-AFC1-19D1-23DB9B90679C}"/>
+              </a:ext>
+            </a:extLst>
+          </p:cNvPr>
+          <p:cNvPicPr>
+            <a:picLocks noGrp="1" noChangeAspect="1"/>
+          </p:cNvPicPr>
+          <p:nvPr>
+            <p:ph sz="quarter" idx="4"/>
+          </p:nvPr>
+        </p:nvPicPr>
+        <p:blipFill>
+          <a:blip r:embed="rId3"/>
+          <a:stretch>
+            <a:fillRect/>
+          </a:stretch>
+        </p:blipFill>
+        <p:spPr>
+          <a:xfrm>
+            <a:off x="6294336" y="2505075"/>
+            <a:ext cx="4938915" cy="3684588"/>
+          </a:xfrm>
+        </p:spPr>
+      </p:pic>
+    </p:spTree>
+    <p:extLst>
+      <p:ext uri="{BB962C8B-B14F-4D97-AF65-F5344CB8AC3E}">
+        <p14:creationId xmlns:p14="http://schemas.microsoft.com/office/powerpoint/2010/main" val="2251598881"/>
+      </p:ext>
+    </p:extLst>
+  </p:cSld>
+  <p:clrMapOvr>
+    <a:masterClrMapping/>
+  </p:clrMapOvr>
+</p:sld>
+</file>
+
+<file path=ppt/slides/slide11.xml><?xml version="1.0" encoding="utf-8"?>
+<p:sld xmlns:a="http://schemas.openxmlformats.org/drawingml/2006/main" xmlns:r="http://schemas.openxmlformats.org/officeDocument/2006/relationships" xmlns:p="http://schemas.openxmlformats.org/presentationml/2006/main">
+  <p:cSld>
+    <p:spTree>
+      <p:nvGrpSpPr>
+        <p:cNvPr id="1" name=""/>
+        <p:cNvGrpSpPr/>
+        <p:nvPr/>
+      </p:nvGrpSpPr>
+      <p:grpSpPr>
+        <a:xfrm>
+          <a:off x="0" y="0"/>
+          <a:ext cx="0" cy="0"/>
+          <a:chOff x="0" y="0"/>
+          <a:chExt cx="0" cy="0"/>
+        </a:xfrm>
+      </p:grpSpPr>
+      <p:sp>
+        <p:nvSpPr>
+          <p:cNvPr id="2" name="Titel 1">
+            <a:extLst>
+              <a:ext uri="{FF2B5EF4-FFF2-40B4-BE49-F238E27FC236}">
+                <a16:creationId xmlns:a16="http://schemas.microsoft.com/office/drawing/2014/main" id="{1159A321-7ADD-829B-21E8-48EAEB585929}"/>
+              </a:ext>
+            </a:extLst>
+          </p:cNvPr>
+          <p:cNvSpPr>
+            <a:spLocks noGrp="1"/>
+          </p:cNvSpPr>
+          <p:nvPr>
+            <p:ph type="title"/>
+          </p:nvPr>
+        </p:nvSpPr>
+        <p:spPr>
+          <a:xfrm>
+            <a:off x="839788" y="365125"/>
+            <a:ext cx="10515600" cy="623703"/>
+          </a:xfrm>
+        </p:spPr>
+        <p:txBody>
+          <a:bodyPr>
+            <a:normAutofit fontScale="90000"/>
+          </a:bodyPr>
+          <a:lstStyle/>
+          <a:p>
+            <a:r>
+              <a:rPr lang="da-DK" dirty="0"/>
+              <a:t>NN </a:t>
+            </a:r>
+            <a:r>
+              <a:rPr lang="da-DK" dirty="0" err="1"/>
+              <a:t>loss</a:t>
+            </a:r>
+            <a:r>
+              <a:rPr lang="da-DK" dirty="0"/>
+              <a:t> </a:t>
+            </a:r>
+            <a:r>
+              <a:rPr lang="da-DK" dirty="0" err="1"/>
+              <a:t>functions</a:t>
+            </a:r>
+            <a:endParaRPr lang="en-US" dirty="0"/>
+          </a:p>
+        </p:txBody>
+      </p:sp>
+      <p:sp>
+        <p:nvSpPr>
+          <p:cNvPr id="3" name="Pladsholder til tekst 2">
+            <a:extLst>
+              <a:ext uri="{FF2B5EF4-FFF2-40B4-BE49-F238E27FC236}">
+                <a16:creationId xmlns:a16="http://schemas.microsoft.com/office/drawing/2014/main" id="{0243ACBC-81B9-1CB8-DBE6-AF61AEDED244}"/>
+              </a:ext>
+            </a:extLst>
+          </p:cNvPr>
+          <p:cNvSpPr>
+            <a:spLocks noGrp="1"/>
+          </p:cNvSpPr>
+          <p:nvPr>
+            <p:ph type="body" idx="1"/>
+          </p:nvPr>
+        </p:nvSpPr>
+        <p:spPr/>
+        <p:txBody>
+          <a:bodyPr/>
+          <a:lstStyle/>
+          <a:p>
+            <a:r>
+              <a:rPr lang="da-DK" dirty="0" err="1"/>
+              <a:t>Mse_loss</a:t>
+            </a:r>
+            <a:r>
+              <a:rPr lang="da-DK" dirty="0"/>
+              <a:t> (</a:t>
+            </a:r>
+            <a:r>
+              <a:rPr lang="da-DK" dirty="0" err="1"/>
+              <a:t>ReLU</a:t>
+            </a:r>
+            <a:r>
+              <a:rPr lang="da-DK"/>
+              <a:t>)</a:t>
+            </a:r>
+            <a:endParaRPr lang="en-US" dirty="0"/>
+          </a:p>
+        </p:txBody>
+      </p:sp>
+      <p:sp>
+        <p:nvSpPr>
+          <p:cNvPr id="5" name="Pladsholder til tekst 4">
+            <a:extLst>
+              <a:ext uri="{FF2B5EF4-FFF2-40B4-BE49-F238E27FC236}">
+                <a16:creationId xmlns:a16="http://schemas.microsoft.com/office/drawing/2014/main" id="{A28B6FBC-D651-45CE-7166-C818E48BD505}"/>
+              </a:ext>
+            </a:extLst>
+          </p:cNvPr>
+          <p:cNvSpPr>
+            <a:spLocks noGrp="1"/>
+          </p:cNvSpPr>
+          <p:nvPr>
+            <p:ph type="body" sz="quarter" idx="3"/>
+          </p:nvPr>
+        </p:nvSpPr>
+        <p:spPr/>
+        <p:txBody>
+          <a:bodyPr/>
+          <a:lstStyle/>
+          <a:p>
+            <a:r>
+              <a:rPr lang="da-DK" dirty="0"/>
+              <a:t>L1_loss</a:t>
+            </a:r>
+            <a:endParaRPr lang="en-US" dirty="0"/>
+          </a:p>
+        </p:txBody>
+      </p:sp>
+      <p:pic>
+        <p:nvPicPr>
+          <p:cNvPr id="23" name="Pladsholder til indhold 22">
+            <a:extLst>
+              <a:ext uri="{FF2B5EF4-FFF2-40B4-BE49-F238E27FC236}">
+                <a16:creationId xmlns:a16="http://schemas.microsoft.com/office/drawing/2014/main" id="{97E328AF-056E-AFC1-19D1-23DB9B90679C}"/>
+              </a:ext>
+            </a:extLst>
+          </p:cNvPr>
+          <p:cNvPicPr>
+            <a:picLocks noGrp="1" noChangeAspect="1"/>
+          </p:cNvPicPr>
+          <p:nvPr>
+            <p:ph sz="quarter" idx="4"/>
+          </p:nvPr>
+        </p:nvPicPr>
+        <p:blipFill>
+          <a:blip r:embed="rId2"/>
+          <a:stretch>
+            <a:fillRect/>
+          </a:stretch>
+        </p:blipFill>
+        <p:spPr>
+          <a:xfrm>
+            <a:off x="6294336" y="2505075"/>
+            <a:ext cx="4938915" cy="3684588"/>
+          </a:xfrm>
+        </p:spPr>
+      </p:pic>
+      <p:pic>
+        <p:nvPicPr>
+          <p:cNvPr id="10" name="Pladsholder til indhold 9">
+            <a:extLst>
+              <a:ext uri="{FF2B5EF4-FFF2-40B4-BE49-F238E27FC236}">
+                <a16:creationId xmlns:a16="http://schemas.microsoft.com/office/drawing/2014/main" id="{78EFBE7B-73F6-BF97-55FE-40051F9957F8}"/>
+              </a:ext>
+            </a:extLst>
+          </p:cNvPr>
+          <p:cNvPicPr>
+            <a:picLocks noGrp="1" noChangeAspect="1"/>
+          </p:cNvPicPr>
+          <p:nvPr>
+            <p:ph sz="half" idx="2"/>
+          </p:nvPr>
+        </p:nvPicPr>
+        <p:blipFill>
+          <a:blip r:embed="rId3"/>
+          <a:stretch>
+            <a:fillRect/>
+          </a:stretch>
+        </p:blipFill>
+        <p:spPr>
+          <a:xfrm>
+            <a:off x="949224" y="2505075"/>
+            <a:ext cx="4938915" cy="3684588"/>
+          </a:xfrm>
+        </p:spPr>
+      </p:pic>
+    </p:spTree>
+    <p:extLst>
+      <p:ext uri="{BB962C8B-B14F-4D97-AF65-F5344CB8AC3E}">
+        <p14:creationId xmlns:p14="http://schemas.microsoft.com/office/powerpoint/2010/main" val="2681439128"/>
+      </p:ext>
+    </p:extLst>
+  </p:cSld>
+  <p:clrMapOvr>
+    <a:masterClrMapping/>
+  </p:clrMapOvr>
+</p:sld>
+</file>
+
 <file path=ppt/slides/slide2.xml><?xml version="1.0" encoding="utf-8"?>
 <p:sld xmlns:a="http://schemas.openxmlformats.org/drawingml/2006/main" xmlns:r="http://schemas.openxmlformats.org/officeDocument/2006/relationships" xmlns:p="http://schemas.openxmlformats.org/presentationml/2006/main">
   <p:cSld>
@@ -3576,6 +4008,57 @@
           </a:xfrm>
         </p:spPr>
       </p:pic>
+      <mc:AlternateContent xmlns:mc="http://schemas.openxmlformats.org/markup-compatibility/2006">
+        <mc:Choice xmlns:p14="http://schemas.microsoft.com/office/powerpoint/2010/main" Requires="p14">
+          <p:contentPart p14:bwMode="auto" r:id="rId4">
+            <p14:nvContentPartPr>
+              <p14:cNvPr id="4" name="Håndskrift 3">
+                <a:extLst>
+                  <a:ext uri="{FF2B5EF4-FFF2-40B4-BE49-F238E27FC236}">
+                    <a16:creationId xmlns:a16="http://schemas.microsoft.com/office/drawing/2014/main" id="{DBB7024B-419C-974E-46E8-6CD65061E7B5}"/>
+                  </a:ext>
+                </a:extLst>
+              </p14:cNvPr>
+              <p14:cNvContentPartPr/>
+              <p14:nvPr/>
+            </p14:nvContentPartPr>
+            <p14:xfrm>
+              <a:off x="507960" y="1339920"/>
+              <a:ext cx="6026400" cy="4159440"/>
+            </p14:xfrm>
+          </p:contentPart>
+        </mc:Choice>
+        <mc:Fallback>
+          <p:pic>
+            <p:nvPicPr>
+              <p:cNvPr id="4" name="Håndskrift 3">
+                <a:extLst>
+                  <a:ext uri="{FF2B5EF4-FFF2-40B4-BE49-F238E27FC236}">
+                    <a16:creationId xmlns:a16="http://schemas.microsoft.com/office/drawing/2014/main" id="{DBB7024B-419C-974E-46E8-6CD65061E7B5}"/>
+                  </a:ext>
+                </a:extLst>
+              </p:cNvPr>
+              <p:cNvPicPr/>
+              <p:nvPr/>
+            </p:nvPicPr>
+            <p:blipFill>
+              <a:blip r:embed="rId5"/>
+              <a:stretch>
+                <a:fillRect/>
+              </a:stretch>
+            </p:blipFill>
+            <p:spPr>
+              <a:xfrm>
+                <a:off x="498600" y="1330560"/>
+                <a:ext cx="6045120" cy="4178160"/>
+              </a:xfrm>
+              <a:prstGeom prst="rect">
+                <a:avLst/>
+              </a:prstGeom>
+            </p:spPr>
+          </p:pic>
+        </mc:Fallback>
+      </mc:AlternateContent>
     </p:spTree>
     <p:extLst>
       <p:ext uri="{BB962C8B-B14F-4D97-AF65-F5344CB8AC3E}">
@@ -4601,6 +5084,128 @@
     <p:extLst>
       <p:ext uri="{BB962C8B-B14F-4D97-AF65-F5344CB8AC3E}">
         <p14:creationId xmlns:p14="http://schemas.microsoft.com/office/powerpoint/2010/main" val="401109420"/>
+      </p:ext>
+    </p:extLst>
+  </p:cSld>
+  <p:clrMapOvr>
+    <a:masterClrMapping/>
+  </p:clrMapOvr>
+</p:sld>
+</file>
+
+<file path=ppt/slides/slide9.xml><?xml version="1.0" encoding="utf-8"?>
+<p:sld xmlns:a="http://schemas.openxmlformats.org/drawingml/2006/main" xmlns:r="http://schemas.openxmlformats.org/officeDocument/2006/relationships" xmlns:p="http://schemas.openxmlformats.org/presentationml/2006/main">
+  <p:cSld>
+    <p:spTree>
+      <p:nvGrpSpPr>
+        <p:cNvPr id="1" name=""/>
+        <p:cNvGrpSpPr/>
+        <p:nvPr/>
+      </p:nvGrpSpPr>
+      <p:grpSpPr>
+        <a:xfrm>
+          <a:off x="0" y="0"/>
+          <a:ext cx="0" cy="0"/>
+          <a:chOff x="0" y="0"/>
+          <a:chExt cx="0" cy="0"/>
+        </a:xfrm>
+      </p:grpSpPr>
+      <p:sp>
+        <p:nvSpPr>
+          <p:cNvPr id="7" name="Titel 6">
+            <a:extLst>
+              <a:ext uri="{FF2B5EF4-FFF2-40B4-BE49-F238E27FC236}">
+                <a16:creationId xmlns:a16="http://schemas.microsoft.com/office/drawing/2014/main" id="{BAB29686-8D22-E368-22F3-4149C656D43F}"/>
+              </a:ext>
+            </a:extLst>
+          </p:cNvPr>
+          <p:cNvSpPr>
+            <a:spLocks noGrp="1"/>
+          </p:cNvSpPr>
+          <p:nvPr>
+            <p:ph type="title"/>
+          </p:nvPr>
+        </p:nvSpPr>
+        <p:spPr/>
+        <p:txBody>
+          <a:bodyPr/>
+          <a:lstStyle/>
+          <a:p>
+            <a:r>
+              <a:rPr lang="da-DK" dirty="0"/>
+              <a:t>NN </a:t>
+            </a:r>
+            <a:r>
+              <a:rPr lang="da-DK" dirty="0" err="1"/>
+              <a:t>settings</a:t>
+            </a:r>
+            <a:endParaRPr lang="en-US" dirty="0"/>
+          </a:p>
+        </p:txBody>
+      </p:sp>
+      <p:pic>
+        <p:nvPicPr>
+          <p:cNvPr id="10" name="Pladsholder til indhold 9">
+            <a:extLst>
+              <a:ext uri="{FF2B5EF4-FFF2-40B4-BE49-F238E27FC236}">
+                <a16:creationId xmlns:a16="http://schemas.microsoft.com/office/drawing/2014/main" id="{4B47CCCE-114B-EFF7-8326-820DC5F54698}"/>
+              </a:ext>
+            </a:extLst>
+          </p:cNvPr>
+          <p:cNvPicPr>
+            <a:picLocks noGrp="1" noChangeAspect="1"/>
+          </p:cNvPicPr>
+          <p:nvPr>
+            <p:ph idx="1"/>
+          </p:nvPr>
+        </p:nvPicPr>
+        <p:blipFill>
+          <a:blip r:embed="rId2"/>
+          <a:stretch>
+            <a:fillRect/>
+          </a:stretch>
+        </p:blipFill>
+        <p:spPr>
+          <a:xfrm>
+            <a:off x="683004" y="1690688"/>
+            <a:ext cx="3553321" cy="4163006"/>
+          </a:xfrm>
+        </p:spPr>
+      </p:pic>
+      <p:pic>
+        <p:nvPicPr>
+          <p:cNvPr id="12" name="Billede 11">
+            <a:extLst>
+              <a:ext uri="{FF2B5EF4-FFF2-40B4-BE49-F238E27FC236}">
+                <a16:creationId xmlns:a16="http://schemas.microsoft.com/office/drawing/2014/main" id="{3270D517-3C03-5E40-0051-2ED781D6C9EE}"/>
+              </a:ext>
+            </a:extLst>
+          </p:cNvPr>
+          <p:cNvPicPr>
+            <a:picLocks noChangeAspect="1"/>
+          </p:cNvPicPr>
+          <p:nvPr/>
+        </p:nvPicPr>
+        <p:blipFill>
+          <a:blip r:embed="rId3"/>
+          <a:stretch>
+            <a:fillRect/>
+          </a:stretch>
+        </p:blipFill>
+        <p:spPr>
+          <a:xfrm>
+            <a:off x="4324102" y="1723787"/>
+            <a:ext cx="3543795" cy="3410426"/>
+          </a:xfrm>
+          <a:prstGeom prst="rect">
+            <a:avLst/>
+          </a:prstGeom>
+        </p:spPr>
+      </p:pic>
+    </p:spTree>
+    <p:extLst>
+      <p:ext uri="{BB962C8B-B14F-4D97-AF65-F5344CB8AC3E}">
+        <p14:creationId xmlns:p14="http://schemas.microsoft.com/office/powerpoint/2010/main" val="4218808408"/>
       </p:ext>
     </p:extLst>
   </p:cSld>
